--- a/7-bookmarking.pptx
+++ b/7-bookmarking.pptx
@@ -348,10 +348,25 @@
   <pc:docChgLst>
     <pc:chgData name="Arnold, Geoffrey" userId="84df3a83-fb20-4e73-a9fb-16fe3fc1bec7" providerId="ADAL" clId="{D0D141C5-F369-493B-8849-2141FA48260D}"/>
     <pc:docChg chg="undo custSel delSld modSld">
-      <pc:chgData name="Arnold, Geoffrey" userId="84df3a83-fb20-4e73-a9fb-16fe3fc1bec7" providerId="ADAL" clId="{D0D141C5-F369-493B-8849-2141FA48260D}" dt="2022-12-14T16:43:55.637" v="24" actId="2711"/>
+      <pc:chgData name="Arnold, Geoffrey" userId="84df3a83-fb20-4e73-a9fb-16fe3fc1bec7" providerId="ADAL" clId="{D0D141C5-F369-493B-8849-2141FA48260D}" dt="2022-12-14T23:08:27.814" v="29" actId="255"/>
       <pc:docMkLst>
         <pc:docMk/>
       </pc:docMkLst>
+      <pc:sldChg chg="modSp mod">
+        <pc:chgData name="Arnold, Geoffrey" userId="84df3a83-fb20-4e73-a9fb-16fe3fc1bec7" providerId="ADAL" clId="{D0D141C5-F369-493B-8849-2141FA48260D}" dt="2022-12-14T23:08:27.814" v="29" actId="255"/>
+        <pc:sldMkLst>
+          <pc:docMk/>
+          <pc:sldMk cId="0" sldId="257"/>
+        </pc:sldMkLst>
+        <pc:spChg chg="mod">
+          <ac:chgData name="Arnold, Geoffrey" userId="84df3a83-fb20-4e73-a9fb-16fe3fc1bec7" providerId="ADAL" clId="{D0D141C5-F369-493B-8849-2141FA48260D}" dt="2022-12-14T23:08:27.814" v="29" actId="255"/>
+          <ac:spMkLst>
+            <pc:docMk/>
+            <pc:sldMk cId="0" sldId="257"/>
+            <ac:spMk id="189" creationId="{00000000-0000-0000-0000-000000000000}"/>
+          </ac:spMkLst>
+        </pc:spChg>
+      </pc:sldChg>
       <pc:sldChg chg="modSp mod">
         <pc:chgData name="Arnold, Geoffrey" userId="84df3a83-fb20-4e73-a9fb-16fe3fc1bec7" providerId="ADAL" clId="{D0D141C5-F369-493B-8849-2141FA48260D}" dt="2022-12-14T16:43:44.830" v="23" actId="2711"/>
         <pc:sldMkLst>
@@ -959,7 +974,7 @@
           </a:ln>
           <a:extLst>
             <a:ext uri="{C572A759-6A51-4108-AA02-DFA0A04FC94B}">
-              <ma14:wrappingTextBoxFlag xmlns:ma14="http://schemas.microsoft.com/office/mac/drawingml/2011/main" xmlns:a14="http://schemas.microsoft.com/office/drawing/2010/main" xmlns:m="http://schemas.openxmlformats.org/officeDocument/2006/math" xmlns="" val="1"/>
+              <ma14:wrappingTextBoxFlag xmlns="" xmlns:m="http://schemas.openxmlformats.org/officeDocument/2006/math" xmlns:a14="http://schemas.microsoft.com/office/drawing/2010/main" xmlns:ma14="http://schemas.microsoft.com/office/mac/drawingml/2011/main" val="1"/>
             </a:ext>
           </a:extLst>
         </p:spPr>
@@ -1088,7 +1103,7 @@
           </a:ln>
           <a:extLst>
             <a:ext uri="{C572A759-6A51-4108-AA02-DFA0A04FC94B}">
-              <ma14:wrappingTextBoxFlag xmlns:ma14="http://schemas.microsoft.com/office/mac/drawingml/2011/main" xmlns:a14="http://schemas.microsoft.com/office/drawing/2010/main" xmlns:m="http://schemas.openxmlformats.org/officeDocument/2006/math" xmlns="" val="1"/>
+              <ma14:wrappingTextBoxFlag xmlns="" xmlns:m="http://schemas.openxmlformats.org/officeDocument/2006/math" xmlns:a14="http://schemas.microsoft.com/office/drawing/2010/main" xmlns:ma14="http://schemas.microsoft.com/office/mac/drawingml/2011/main" val="1"/>
             </a:ext>
           </a:extLst>
         </p:spPr>
@@ -1181,7 +1196,7 @@
           </a:ln>
           <a:extLst>
             <a:ext uri="{C572A759-6A51-4108-AA02-DFA0A04FC94B}">
-              <ma14:wrappingTextBoxFlag xmlns:ma14="http://schemas.microsoft.com/office/mac/drawingml/2011/main" xmlns:a14="http://schemas.microsoft.com/office/drawing/2010/main" xmlns:m="http://schemas.openxmlformats.org/officeDocument/2006/math" xmlns="" val="1"/>
+              <ma14:wrappingTextBoxFlag xmlns="" xmlns:m="http://schemas.openxmlformats.org/officeDocument/2006/math" xmlns:a14="http://schemas.microsoft.com/office/drawing/2010/main" xmlns:ma14="http://schemas.microsoft.com/office/mac/drawingml/2011/main" val="1"/>
             </a:ext>
           </a:extLst>
         </p:spPr>
@@ -1258,7 +1273,7 @@
           </a:ln>
           <a:extLst>
             <a:ext uri="{C572A759-6A51-4108-AA02-DFA0A04FC94B}">
-              <ma14:wrappingTextBoxFlag xmlns:ma14="http://schemas.microsoft.com/office/mac/drawingml/2011/main" xmlns:a14="http://schemas.microsoft.com/office/drawing/2010/main" xmlns:m="http://schemas.openxmlformats.org/officeDocument/2006/math" xmlns="" val="1"/>
+              <ma14:wrappingTextBoxFlag xmlns="" xmlns:m="http://schemas.openxmlformats.org/officeDocument/2006/math" xmlns:a14="http://schemas.microsoft.com/office/drawing/2010/main" xmlns:ma14="http://schemas.microsoft.com/office/mac/drawingml/2011/main" val="1"/>
             </a:ext>
           </a:extLst>
         </p:spPr>
@@ -1595,7 +1610,7 @@
           </a:ln>
           <a:extLst>
             <a:ext uri="{C572A759-6A51-4108-AA02-DFA0A04FC94B}">
-              <ma14:wrappingTextBoxFlag xmlns:ma14="http://schemas.microsoft.com/office/mac/drawingml/2011/main" xmlns:a14="http://schemas.microsoft.com/office/drawing/2010/main" xmlns:m="http://schemas.openxmlformats.org/officeDocument/2006/math" xmlns="" val="1"/>
+              <ma14:wrappingTextBoxFlag xmlns="" xmlns:m="http://schemas.openxmlformats.org/officeDocument/2006/math" xmlns:a14="http://schemas.microsoft.com/office/drawing/2010/main" xmlns:ma14="http://schemas.microsoft.com/office/mac/drawingml/2011/main" val="1"/>
             </a:ext>
           </a:extLst>
         </p:spPr>
@@ -1766,7 +1781,7 @@
           </a:ln>
           <a:extLst>
             <a:ext uri="{C572A759-6A51-4108-AA02-DFA0A04FC94B}">
-              <ma14:wrappingTextBoxFlag xmlns:ma14="http://schemas.microsoft.com/office/mac/drawingml/2011/main" xmlns:a14="http://schemas.microsoft.com/office/drawing/2010/main" xmlns:m="http://schemas.openxmlformats.org/officeDocument/2006/math" xmlns="" val="1"/>
+              <ma14:wrappingTextBoxFlag xmlns="" xmlns:m="http://schemas.openxmlformats.org/officeDocument/2006/math" xmlns:a14="http://schemas.microsoft.com/office/drawing/2010/main" xmlns:ma14="http://schemas.microsoft.com/office/mac/drawingml/2011/main" val="1"/>
             </a:ext>
           </a:extLst>
         </p:spPr>
@@ -1994,7 +2009,7 @@
           </a:ln>
           <a:extLst>
             <a:ext uri="{C572A759-6A51-4108-AA02-DFA0A04FC94B}">
-              <ma14:wrappingTextBoxFlag xmlns:ma14="http://schemas.microsoft.com/office/mac/drawingml/2011/main" xmlns:a14="http://schemas.microsoft.com/office/drawing/2010/main" xmlns:m="http://schemas.openxmlformats.org/officeDocument/2006/math" xmlns="" val="1"/>
+              <ma14:wrappingTextBoxFlag xmlns="" xmlns:m="http://schemas.openxmlformats.org/officeDocument/2006/math" xmlns:a14="http://schemas.microsoft.com/office/drawing/2010/main" xmlns:ma14="http://schemas.microsoft.com/office/mac/drawingml/2011/main" val="1"/>
             </a:ext>
           </a:extLst>
         </p:spPr>
@@ -2323,7 +2338,7 @@
           </a:ln>
           <a:extLst>
             <a:ext uri="{C572A759-6A51-4108-AA02-DFA0A04FC94B}">
-              <ma14:wrappingTextBoxFlag xmlns:ma14="http://schemas.microsoft.com/office/mac/drawingml/2011/main" xmlns:a14="http://schemas.microsoft.com/office/drawing/2010/main" xmlns:m="http://schemas.openxmlformats.org/officeDocument/2006/math" xmlns="" val="1"/>
+              <ma14:wrappingTextBoxFlag xmlns="" xmlns:m="http://schemas.openxmlformats.org/officeDocument/2006/math" xmlns:a14="http://schemas.microsoft.com/office/drawing/2010/main" xmlns:ma14="http://schemas.microsoft.com/office/mac/drawingml/2011/main" val="1"/>
             </a:ext>
           </a:extLst>
         </p:spPr>
@@ -2641,7 +2656,7 @@
           </a:ln>
           <a:extLst>
             <a:ext uri="{C572A759-6A51-4108-AA02-DFA0A04FC94B}">
-              <ma14:wrappingTextBoxFlag xmlns:ma14="http://schemas.microsoft.com/office/mac/drawingml/2011/main" xmlns:a14="http://schemas.microsoft.com/office/drawing/2010/main" xmlns:m="http://schemas.openxmlformats.org/officeDocument/2006/math" xmlns="" val="1"/>
+              <ma14:wrappingTextBoxFlag xmlns="" xmlns:m="http://schemas.openxmlformats.org/officeDocument/2006/math" xmlns:a14="http://schemas.microsoft.com/office/drawing/2010/main" xmlns:ma14="http://schemas.microsoft.com/office/mac/drawingml/2011/main" val="1"/>
             </a:ext>
           </a:extLst>
         </p:spPr>
@@ -2960,7 +2975,7 @@
           </a:ln>
           <a:extLst>
             <a:ext uri="{C572A759-6A51-4108-AA02-DFA0A04FC94B}">
-              <ma14:wrappingTextBoxFlag xmlns:ma14="http://schemas.microsoft.com/office/mac/drawingml/2011/main" xmlns:a14="http://schemas.microsoft.com/office/drawing/2010/main" xmlns:m="http://schemas.openxmlformats.org/officeDocument/2006/math" xmlns="" val="1"/>
+              <ma14:wrappingTextBoxFlag xmlns="" xmlns:m="http://schemas.openxmlformats.org/officeDocument/2006/math" xmlns:a14="http://schemas.microsoft.com/office/drawing/2010/main" xmlns:ma14="http://schemas.microsoft.com/office/mac/drawingml/2011/main" val="1"/>
             </a:ext>
           </a:extLst>
         </p:spPr>
@@ -3089,7 +3104,7 @@
           </a:ln>
           <a:extLst>
             <a:ext uri="{C572A759-6A51-4108-AA02-DFA0A04FC94B}">
-              <ma14:wrappingTextBoxFlag xmlns:ma14="http://schemas.microsoft.com/office/mac/drawingml/2011/main" xmlns:a14="http://schemas.microsoft.com/office/drawing/2010/main" xmlns:m="http://schemas.openxmlformats.org/officeDocument/2006/math" xmlns="" val="1"/>
+              <ma14:wrappingTextBoxFlag xmlns="" xmlns:m="http://schemas.openxmlformats.org/officeDocument/2006/math" xmlns:a14="http://schemas.microsoft.com/office/drawing/2010/main" xmlns:ma14="http://schemas.microsoft.com/office/mac/drawingml/2011/main" val="1"/>
             </a:ext>
           </a:extLst>
         </p:spPr>
@@ -3182,7 +3197,7 @@
           </a:ln>
           <a:extLst>
             <a:ext uri="{C572A759-6A51-4108-AA02-DFA0A04FC94B}">
-              <ma14:wrappingTextBoxFlag xmlns:ma14="http://schemas.microsoft.com/office/mac/drawingml/2011/main" xmlns:a14="http://schemas.microsoft.com/office/drawing/2010/main" xmlns:m="http://schemas.openxmlformats.org/officeDocument/2006/math" xmlns="" val="1"/>
+              <ma14:wrappingTextBoxFlag xmlns="" xmlns:m="http://schemas.openxmlformats.org/officeDocument/2006/math" xmlns:a14="http://schemas.microsoft.com/office/drawing/2010/main" xmlns:ma14="http://schemas.microsoft.com/office/mac/drawingml/2011/main" val="1"/>
             </a:ext>
           </a:extLst>
         </p:spPr>
@@ -3327,7 +3342,7 @@
           </a:ln>
           <a:extLst>
             <a:ext uri="{C572A759-6A51-4108-AA02-DFA0A04FC94B}">
-              <ma14:wrappingTextBoxFlag xmlns:ma14="http://schemas.microsoft.com/office/mac/drawingml/2011/main" xmlns:a14="http://schemas.microsoft.com/office/drawing/2010/main" xmlns:m="http://schemas.openxmlformats.org/officeDocument/2006/math" xmlns="" val="1"/>
+              <ma14:wrappingTextBoxFlag xmlns="" xmlns:m="http://schemas.openxmlformats.org/officeDocument/2006/math" xmlns:a14="http://schemas.microsoft.com/office/drawing/2010/main" xmlns:ma14="http://schemas.microsoft.com/office/mac/drawingml/2011/main" val="1"/>
             </a:ext>
           </a:extLst>
         </p:spPr>
@@ -3420,7 +3435,7 @@
           </a:ln>
           <a:extLst>
             <a:ext uri="{C572A759-6A51-4108-AA02-DFA0A04FC94B}">
-              <ma14:wrappingTextBoxFlag xmlns:ma14="http://schemas.microsoft.com/office/mac/drawingml/2011/main" xmlns:a14="http://schemas.microsoft.com/office/drawing/2010/main" xmlns:m="http://schemas.openxmlformats.org/officeDocument/2006/math" xmlns="" val="1"/>
+              <ma14:wrappingTextBoxFlag xmlns="" xmlns:m="http://schemas.openxmlformats.org/officeDocument/2006/math" xmlns:a14="http://schemas.microsoft.com/office/drawing/2010/main" xmlns:ma14="http://schemas.microsoft.com/office/mac/drawingml/2011/main" val="1"/>
             </a:ext>
           </a:extLst>
         </p:spPr>
@@ -3524,7 +3539,7 @@
           </a:ln>
           <a:extLst>
             <a:ext uri="{C572A759-6A51-4108-AA02-DFA0A04FC94B}">
-              <ma14:wrappingTextBoxFlag xmlns:ma14="http://schemas.microsoft.com/office/mac/drawingml/2011/main" xmlns:a14="http://schemas.microsoft.com/office/drawing/2010/main" xmlns:m="http://schemas.openxmlformats.org/officeDocument/2006/math" xmlns="" val="1"/>
+              <ma14:wrappingTextBoxFlag xmlns="" xmlns:m="http://schemas.openxmlformats.org/officeDocument/2006/math" xmlns:a14="http://schemas.microsoft.com/office/drawing/2010/main" xmlns:ma14="http://schemas.microsoft.com/office/mac/drawingml/2011/main" val="1"/>
             </a:ext>
           </a:extLst>
         </p:spPr>
@@ -3753,7 +3768,7 @@
           </a:ln>
           <a:extLst>
             <a:ext uri="{C572A759-6A51-4108-AA02-DFA0A04FC94B}">
-              <ma14:wrappingTextBoxFlag xmlns:ma14="http://schemas.microsoft.com/office/mac/drawingml/2011/main" xmlns:a14="http://schemas.microsoft.com/office/drawing/2010/main" xmlns:m="http://schemas.openxmlformats.org/officeDocument/2006/math" xmlns="" val="1"/>
+              <ma14:wrappingTextBoxFlag xmlns="" xmlns:m="http://schemas.openxmlformats.org/officeDocument/2006/math" xmlns:a14="http://schemas.microsoft.com/office/drawing/2010/main" xmlns:ma14="http://schemas.microsoft.com/office/mac/drawingml/2011/main" val="1"/>
             </a:ext>
           </a:extLst>
         </p:spPr>
@@ -3846,7 +3861,7 @@
           </a:ln>
           <a:extLst>
             <a:ext uri="{C572A759-6A51-4108-AA02-DFA0A04FC94B}">
-              <ma14:wrappingTextBoxFlag xmlns:ma14="http://schemas.microsoft.com/office/mac/drawingml/2011/main" xmlns:a14="http://schemas.microsoft.com/office/drawing/2010/main" xmlns:m="http://schemas.openxmlformats.org/officeDocument/2006/math" xmlns="" val="1"/>
+              <ma14:wrappingTextBoxFlag xmlns="" xmlns:m="http://schemas.openxmlformats.org/officeDocument/2006/math" xmlns:a14="http://schemas.microsoft.com/office/drawing/2010/main" xmlns:ma14="http://schemas.microsoft.com/office/mac/drawingml/2011/main" val="1"/>
             </a:ext>
           </a:extLst>
         </p:spPr>
@@ -3923,7 +3938,7 @@
           </a:ln>
           <a:extLst>
             <a:ext uri="{C572A759-6A51-4108-AA02-DFA0A04FC94B}">
-              <ma14:wrappingTextBoxFlag xmlns:ma14="http://schemas.microsoft.com/office/mac/drawingml/2011/main" xmlns:a14="http://schemas.microsoft.com/office/drawing/2010/main" xmlns:m="http://schemas.openxmlformats.org/officeDocument/2006/math" xmlns="" val="1"/>
+              <ma14:wrappingTextBoxFlag xmlns="" xmlns:m="http://schemas.openxmlformats.org/officeDocument/2006/math" xmlns:a14="http://schemas.microsoft.com/office/drawing/2010/main" xmlns:ma14="http://schemas.microsoft.com/office/mac/drawingml/2011/main" val="1"/>
             </a:ext>
           </a:extLst>
         </p:spPr>
@@ -4314,7 +4329,7 @@
             <a:effectLst/>
             <a:extLst>
               <a:ext uri="{C572A759-6A51-4108-AA02-DFA0A04FC94B}">
-                <ma14:wrappingTextBoxFlag xmlns:ma14="http://schemas.microsoft.com/office/mac/drawingml/2011/main" xmlns:a14="http://schemas.microsoft.com/office/drawing/2010/main" xmlns:m="http://schemas.openxmlformats.org/officeDocument/2006/math" xmlns="" val="1"/>
+                <ma14:wrappingTextBoxFlag xmlns="" xmlns:m="http://schemas.openxmlformats.org/officeDocument/2006/math" xmlns:a14="http://schemas.microsoft.com/office/drawing/2010/main" xmlns:ma14="http://schemas.microsoft.com/office/mac/drawingml/2011/main" val="1"/>
               </a:ext>
             </a:extLst>
           </p:spPr>
@@ -4364,7 +4379,7 @@
             <a:effectLst/>
             <a:extLst>
               <a:ext uri="{C572A759-6A51-4108-AA02-DFA0A04FC94B}">
-                <ma14:wrappingTextBoxFlag xmlns:ma14="http://schemas.microsoft.com/office/mac/drawingml/2011/main" xmlns:a14="http://schemas.microsoft.com/office/drawing/2010/main" xmlns:m="http://schemas.openxmlformats.org/officeDocument/2006/math" xmlns="" val="1"/>
+                <ma14:wrappingTextBoxFlag xmlns="" xmlns:m="http://schemas.openxmlformats.org/officeDocument/2006/math" xmlns:a14="http://schemas.microsoft.com/office/drawing/2010/main" xmlns:ma14="http://schemas.microsoft.com/office/mac/drawingml/2011/main" val="1"/>
               </a:ext>
             </a:extLst>
           </p:spPr>
@@ -4416,7 +4431,7 @@
           </a:ln>
           <a:extLst>
             <a:ext uri="{C572A759-6A51-4108-AA02-DFA0A04FC94B}">
-              <ma14:wrappingTextBoxFlag xmlns:ma14="http://schemas.microsoft.com/office/mac/drawingml/2011/main" xmlns:a14="http://schemas.microsoft.com/office/drawing/2010/main" xmlns:m="http://schemas.openxmlformats.org/officeDocument/2006/math" xmlns="" val="1"/>
+              <ma14:wrappingTextBoxFlag xmlns="" xmlns:m="http://schemas.openxmlformats.org/officeDocument/2006/math" xmlns:a14="http://schemas.microsoft.com/office/drawing/2010/main" xmlns:ma14="http://schemas.microsoft.com/office/mac/drawingml/2011/main" val="1"/>
             </a:ext>
           </a:extLst>
         </p:spPr>
@@ -4455,7 +4470,7 @@
           </a:ln>
           <a:extLst>
             <a:ext uri="{C572A759-6A51-4108-AA02-DFA0A04FC94B}">
-              <ma14:wrappingTextBoxFlag xmlns:ma14="http://schemas.microsoft.com/office/mac/drawingml/2011/main" xmlns:a14="http://schemas.microsoft.com/office/drawing/2010/main" xmlns:m="http://schemas.openxmlformats.org/officeDocument/2006/math" xmlns="" val="1"/>
+              <ma14:wrappingTextBoxFlag xmlns="" xmlns:m="http://schemas.openxmlformats.org/officeDocument/2006/math" xmlns:a14="http://schemas.microsoft.com/office/drawing/2010/main" xmlns:ma14="http://schemas.microsoft.com/office/mac/drawingml/2011/main" val="1"/>
             </a:ext>
           </a:extLst>
         </p:spPr>
@@ -5388,7 +5403,7 @@
           </a:ln>
           <a:extLst>
             <a:ext uri="{C572A759-6A51-4108-AA02-DFA0A04FC94B}">
-              <ma14:wrappingTextBoxFlag xmlns:ma14="http://schemas.microsoft.com/office/mac/drawingml/2011/main" xmlns:a14="http://schemas.microsoft.com/office/drawing/2010/main" xmlns:m="http://schemas.openxmlformats.org/officeDocument/2006/math" xmlns="" val="1"/>
+              <ma14:wrappingTextBoxFlag xmlns="" xmlns:m="http://schemas.openxmlformats.org/officeDocument/2006/math" xmlns:a14="http://schemas.microsoft.com/office/drawing/2010/main" xmlns:ma14="http://schemas.microsoft.com/office/mac/drawingml/2011/main" val="1"/>
             </a:ext>
           </a:extLst>
         </p:spPr>
@@ -5491,7 +5506,7 @@
           </a:ln>
           <a:extLst>
             <a:ext uri="{C572A759-6A51-4108-AA02-DFA0A04FC94B}">
-              <ma14:wrappingTextBoxFlag xmlns:ma14="http://schemas.microsoft.com/office/mac/drawingml/2011/main" xmlns:a14="http://schemas.microsoft.com/office/drawing/2010/main" xmlns:m="http://schemas.openxmlformats.org/officeDocument/2006/math" xmlns="" val="1"/>
+              <ma14:wrappingTextBoxFlag xmlns="" xmlns:m="http://schemas.openxmlformats.org/officeDocument/2006/math" xmlns:a14="http://schemas.microsoft.com/office/drawing/2010/main" xmlns:ma14="http://schemas.microsoft.com/office/mac/drawingml/2011/main" val="1"/>
             </a:ext>
           </a:extLst>
         </p:spPr>
@@ -5584,7 +5599,7 @@
           </a:ln>
           <a:extLst>
             <a:ext uri="{C572A759-6A51-4108-AA02-DFA0A04FC94B}">
-              <ma14:wrappingTextBoxFlag xmlns:ma14="http://schemas.microsoft.com/office/mac/drawingml/2011/main" xmlns:a14="http://schemas.microsoft.com/office/drawing/2010/main" xmlns:m="http://schemas.openxmlformats.org/officeDocument/2006/math" xmlns="" val="1"/>
+              <ma14:wrappingTextBoxFlag xmlns="" xmlns:m="http://schemas.openxmlformats.org/officeDocument/2006/math" xmlns:a14="http://schemas.microsoft.com/office/drawing/2010/main" xmlns:ma14="http://schemas.microsoft.com/office/mac/drawingml/2011/main" val="1"/>
             </a:ext>
           </a:extLst>
         </p:spPr>
@@ -5661,7 +5676,7 @@
           </a:ln>
           <a:extLst>
             <a:ext uri="{C572A759-6A51-4108-AA02-DFA0A04FC94B}">
-              <ma14:wrappingTextBoxFlag xmlns:ma14="http://schemas.microsoft.com/office/mac/drawingml/2011/main" xmlns:a14="http://schemas.microsoft.com/office/drawing/2010/main" xmlns:m="http://schemas.openxmlformats.org/officeDocument/2006/math" xmlns="" val="1"/>
+              <ma14:wrappingTextBoxFlag xmlns="" xmlns:m="http://schemas.openxmlformats.org/officeDocument/2006/math" xmlns:a14="http://schemas.microsoft.com/office/drawing/2010/main" xmlns:ma14="http://schemas.microsoft.com/office/mac/drawingml/2011/main" val="1"/>
             </a:ext>
           </a:extLst>
         </p:spPr>
@@ -6505,7 +6520,7 @@
           </a:ln>
           <a:extLst>
             <a:ext uri="{C572A759-6A51-4108-AA02-DFA0A04FC94B}">
-              <ma14:wrappingTextBoxFlag xmlns:ma14="http://schemas.microsoft.com/office/mac/drawingml/2011/main" xmlns:a14="http://schemas.microsoft.com/office/drawing/2010/main" xmlns:m="http://schemas.openxmlformats.org/officeDocument/2006/math" xmlns="" val="1"/>
+              <ma14:wrappingTextBoxFlag xmlns="" xmlns:m="http://schemas.openxmlformats.org/officeDocument/2006/math" xmlns:a14="http://schemas.microsoft.com/office/drawing/2010/main" xmlns:ma14="http://schemas.microsoft.com/office/mac/drawingml/2011/main" val="1"/>
             </a:ext>
           </a:extLst>
         </p:spPr>
@@ -7062,7 +7077,7 @@
             <a:effectLst/>
             <a:extLst>
               <a:ext uri="{C572A759-6A51-4108-AA02-DFA0A04FC94B}">
-                <ma14:wrappingTextBoxFlag xmlns:ma14="http://schemas.microsoft.com/office/mac/drawingml/2011/main" xmlns:a14="http://schemas.microsoft.com/office/drawing/2010/main" xmlns:m="http://schemas.openxmlformats.org/officeDocument/2006/math" xmlns="" val="1"/>
+                <ma14:wrappingTextBoxFlag xmlns="" xmlns:m="http://schemas.openxmlformats.org/officeDocument/2006/math" xmlns:a14="http://schemas.microsoft.com/office/drawing/2010/main" xmlns:ma14="http://schemas.microsoft.com/office/mac/drawingml/2011/main" val="1"/>
               </a:ext>
             </a:extLst>
           </p:spPr>
@@ -7729,7 +7744,7 @@
           </a:ln>
           <a:extLst>
             <a:ext uri="{C572A759-6A51-4108-AA02-DFA0A04FC94B}">
-              <ma14:wrappingTextBoxFlag xmlns:ma14="http://schemas.microsoft.com/office/mac/drawingml/2011/main" xmlns:a14="http://schemas.microsoft.com/office/drawing/2010/main" xmlns:m="http://schemas.openxmlformats.org/officeDocument/2006/math" xmlns="" val="1"/>
+              <ma14:wrappingTextBoxFlag xmlns="" xmlns:m="http://schemas.openxmlformats.org/officeDocument/2006/math" xmlns:a14="http://schemas.microsoft.com/office/drawing/2010/main" xmlns:ma14="http://schemas.microsoft.com/office/mac/drawingml/2011/main" val="1"/>
             </a:ext>
           </a:extLst>
         </p:spPr>
@@ -8069,7 +8084,7 @@
           </a:ln>
           <a:extLst>
             <a:ext uri="{C572A759-6A51-4108-AA02-DFA0A04FC94B}">
-              <ma14:wrappingTextBoxFlag xmlns:ma14="http://schemas.microsoft.com/office/mac/drawingml/2011/main" xmlns:a14="http://schemas.microsoft.com/office/drawing/2010/main" xmlns:m="http://schemas.openxmlformats.org/officeDocument/2006/math" xmlns="" val="1"/>
+              <ma14:wrappingTextBoxFlag xmlns="" xmlns:m="http://schemas.openxmlformats.org/officeDocument/2006/math" xmlns:a14="http://schemas.microsoft.com/office/drawing/2010/main" xmlns:ma14="http://schemas.microsoft.com/office/mac/drawingml/2011/main" val="1"/>
             </a:ext>
           </a:extLst>
         </p:spPr>
@@ -8162,7 +8177,7 @@
           </a:ln>
           <a:extLst>
             <a:ext uri="{C572A759-6A51-4108-AA02-DFA0A04FC94B}">
-              <ma14:wrappingTextBoxFlag xmlns:ma14="http://schemas.microsoft.com/office/mac/drawingml/2011/main" xmlns:a14="http://schemas.microsoft.com/office/drawing/2010/main" xmlns:m="http://schemas.openxmlformats.org/officeDocument/2006/math" xmlns="" val="1"/>
+              <ma14:wrappingTextBoxFlag xmlns="" xmlns:m="http://schemas.openxmlformats.org/officeDocument/2006/math" xmlns:a14="http://schemas.microsoft.com/office/drawing/2010/main" xmlns:ma14="http://schemas.microsoft.com/office/mac/drawingml/2011/main" val="1"/>
             </a:ext>
           </a:extLst>
         </p:spPr>
@@ -8239,7 +8254,7 @@
           </a:ln>
           <a:extLst>
             <a:ext uri="{C572A759-6A51-4108-AA02-DFA0A04FC94B}">
-              <ma14:wrappingTextBoxFlag xmlns:ma14="http://schemas.microsoft.com/office/mac/drawingml/2011/main" xmlns:a14="http://schemas.microsoft.com/office/drawing/2010/main" xmlns:m="http://schemas.openxmlformats.org/officeDocument/2006/math" xmlns="" val="1"/>
+              <ma14:wrappingTextBoxFlag xmlns="" xmlns:m="http://schemas.openxmlformats.org/officeDocument/2006/math" xmlns:a14="http://schemas.microsoft.com/office/drawing/2010/main" xmlns:ma14="http://schemas.microsoft.com/office/mac/drawingml/2011/main" val="1"/>
             </a:ext>
           </a:extLst>
         </p:spPr>
@@ -8388,7 +8403,7 @@
           </a:ln>
           <a:extLst>
             <a:ext uri="{C572A759-6A51-4108-AA02-DFA0A04FC94B}">
-              <ma14:wrappingTextBoxFlag xmlns:ma14="http://schemas.microsoft.com/office/mac/drawingml/2011/main" xmlns:a14="http://schemas.microsoft.com/office/drawing/2010/main" xmlns:m="http://schemas.openxmlformats.org/officeDocument/2006/math" xmlns="" val="1"/>
+              <ma14:wrappingTextBoxFlag xmlns="" xmlns:m="http://schemas.openxmlformats.org/officeDocument/2006/math" xmlns:a14="http://schemas.microsoft.com/office/drawing/2010/main" xmlns:ma14="http://schemas.microsoft.com/office/mac/drawingml/2011/main" val="1"/>
             </a:ext>
           </a:extLst>
         </p:spPr>
@@ -8813,7 +8828,7 @@
             <a:effectLst/>
             <a:extLst>
               <a:ext uri="{C572A759-6A51-4108-AA02-DFA0A04FC94B}">
-                <ma14:wrappingTextBoxFlag xmlns:ma14="http://schemas.microsoft.com/office/mac/drawingml/2011/main" xmlns:a14="http://schemas.microsoft.com/office/drawing/2010/main" xmlns:m="http://schemas.openxmlformats.org/officeDocument/2006/math" xmlns="" val="1"/>
+                <ma14:wrappingTextBoxFlag xmlns="" xmlns:m="http://schemas.openxmlformats.org/officeDocument/2006/math" xmlns:a14="http://schemas.microsoft.com/office/drawing/2010/main" xmlns:ma14="http://schemas.microsoft.com/office/mac/drawingml/2011/main" val="1"/>
               </a:ext>
             </a:extLst>
           </p:spPr>
@@ -8956,7 +8971,7 @@
           </a:ln>
           <a:extLst>
             <a:ext uri="{C572A759-6A51-4108-AA02-DFA0A04FC94B}">
-              <ma14:wrappingTextBoxFlag xmlns:ma14="http://schemas.microsoft.com/office/mac/drawingml/2011/main" xmlns:a14="http://schemas.microsoft.com/office/drawing/2010/main" xmlns:m="http://schemas.openxmlformats.org/officeDocument/2006/math" xmlns="" val="1"/>
+              <ma14:wrappingTextBoxFlag xmlns="" xmlns:m="http://schemas.openxmlformats.org/officeDocument/2006/math" xmlns:a14="http://schemas.microsoft.com/office/drawing/2010/main" xmlns:ma14="http://schemas.microsoft.com/office/mac/drawingml/2011/main" val="1"/>
             </a:ext>
           </a:extLst>
         </p:spPr>
@@ -9120,7 +9135,9 @@
           </a:prstGeom>
         </p:spPr>
         <p:txBody>
-          <a:bodyPr/>
+          <a:bodyPr>
+            <a:normAutofit/>
+          </a:bodyPr>
           <a:lstStyle/>
           <a:p>
             <a:pPr marL="541019" indent="-541019" defTabSz="586104">
@@ -9138,7 +9155,7 @@
               </a:defRPr>
             </a:pPr>
             <a:r>
-              <a:rPr dirty="0"/>
+              <a:rPr sz="5400" dirty="0"/>
               <a:t>Bookmarking</a:t>
             </a:r>
           </a:p>
@@ -9158,9 +9175,10 @@
               </a:defRPr>
             </a:pPr>
             <a:r>
-              <a:rPr dirty="0"/>
+              <a:rPr sz="5400" dirty="0"/>
               <a:t>How to bookmark</a:t>
             </a:r>
+            <a:endParaRPr lang="en-US" sz="5400" dirty="0"/>
           </a:p>
           <a:p>
             <a:pPr marL="1064005" lvl="1" indent="-541019" defTabSz="586104">
@@ -9178,14 +9196,15 @@
               </a:defRPr>
             </a:pPr>
             <a:r>
-              <a:rPr dirty="0"/>
+              <a:rPr sz="5400" dirty="0"/>
               <a:t>Bookmarking options</a:t>
             </a:r>
+            <a:endParaRPr lang="en-US" sz="5400" dirty="0"/>
           </a:p>
           <a:p>
             <a:pPr marL="1064005" lvl="1" indent="-541019" defTabSz="586104">
               <a:spcBef>
-                <a:spcPts val="2100"/>
+                <a:spcPts val="0"/>
               </a:spcBef>
               <a:buClr>
                 <a:srgbClr val="447FB5"/>
@@ -9198,7 +9217,7 @@
               </a:defRPr>
             </a:pPr>
             <a:r>
-              <a:rPr dirty="0"/>
+              <a:rPr sz="5400" dirty="0"/>
               <a:t>Customizing bookmarks</a:t>
             </a:r>
           </a:p>
@@ -9434,7 +9453,7 @@
           </a:ln>
           <a:extLst>
             <a:ext uri="{C572A759-6A51-4108-AA02-DFA0A04FC94B}">
-              <ma14:wrappingTextBoxFlag xmlns:ma14="http://schemas.microsoft.com/office/mac/drawingml/2011/main" xmlns:a14="http://schemas.microsoft.com/office/drawing/2010/main" xmlns:m="http://schemas.openxmlformats.org/officeDocument/2006/math" xmlns="" val="1"/>
+              <ma14:wrappingTextBoxFlag xmlns="" xmlns:m="http://schemas.openxmlformats.org/officeDocument/2006/math" xmlns:a14="http://schemas.microsoft.com/office/drawing/2010/main" xmlns:ma14="http://schemas.microsoft.com/office/mac/drawingml/2011/main" val="1"/>
             </a:ext>
           </a:extLst>
         </p:spPr>
@@ -9527,7 +9546,7 @@
           </a:ln>
           <a:extLst>
             <a:ext uri="{C572A759-6A51-4108-AA02-DFA0A04FC94B}">
-              <ma14:wrappingTextBoxFlag xmlns:ma14="http://schemas.microsoft.com/office/mac/drawingml/2011/main" xmlns:a14="http://schemas.microsoft.com/office/drawing/2010/main" xmlns:m="http://schemas.openxmlformats.org/officeDocument/2006/math" xmlns="" val="1"/>
+              <ma14:wrappingTextBoxFlag xmlns="" xmlns:m="http://schemas.openxmlformats.org/officeDocument/2006/math" xmlns:a14="http://schemas.microsoft.com/office/drawing/2010/main" xmlns:ma14="http://schemas.microsoft.com/office/mac/drawingml/2011/main" val="1"/>
             </a:ext>
           </a:extLst>
         </p:spPr>
@@ -9604,7 +9623,7 @@
           </a:ln>
           <a:extLst>
             <a:ext uri="{C572A759-6A51-4108-AA02-DFA0A04FC94B}">
-              <ma14:wrappingTextBoxFlag xmlns:ma14="http://schemas.microsoft.com/office/mac/drawingml/2011/main" xmlns:a14="http://schemas.microsoft.com/office/drawing/2010/main" xmlns:m="http://schemas.openxmlformats.org/officeDocument/2006/math" xmlns="" val="1"/>
+              <ma14:wrappingTextBoxFlag xmlns="" xmlns:m="http://schemas.openxmlformats.org/officeDocument/2006/math" xmlns:a14="http://schemas.microsoft.com/office/drawing/2010/main" xmlns:ma14="http://schemas.microsoft.com/office/mac/drawingml/2011/main" val="1"/>
             </a:ext>
           </a:extLst>
         </p:spPr>
@@ -9678,7 +9697,7 @@
           </a:ln>
           <a:extLst>
             <a:ext uri="{C572A759-6A51-4108-AA02-DFA0A04FC94B}">
-              <ma14:wrappingTextBoxFlag xmlns:ma14="http://schemas.microsoft.com/office/mac/drawingml/2011/main" xmlns:a14="http://schemas.microsoft.com/office/drawing/2010/main" xmlns:m="http://schemas.openxmlformats.org/officeDocument/2006/math" xmlns="" val="1"/>
+              <ma14:wrappingTextBoxFlag xmlns="" xmlns:m="http://schemas.openxmlformats.org/officeDocument/2006/math" xmlns:a14="http://schemas.microsoft.com/office/drawing/2010/main" xmlns:ma14="http://schemas.microsoft.com/office/mac/drawingml/2011/main" val="1"/>
             </a:ext>
           </a:extLst>
         </p:spPr>
@@ -9722,7 +9741,7 @@
           </a:ln>
           <a:extLst>
             <a:ext uri="{C572A759-6A51-4108-AA02-DFA0A04FC94B}">
-              <ma14:wrappingTextBoxFlag xmlns:ma14="http://schemas.microsoft.com/office/mac/drawingml/2011/main" xmlns:a14="http://schemas.microsoft.com/office/drawing/2010/main" xmlns:m="http://schemas.openxmlformats.org/officeDocument/2006/math" xmlns="" val="1"/>
+              <ma14:wrappingTextBoxFlag xmlns="" xmlns:m="http://schemas.openxmlformats.org/officeDocument/2006/math" xmlns:a14="http://schemas.microsoft.com/office/drawing/2010/main" xmlns:ma14="http://schemas.microsoft.com/office/mac/drawingml/2011/main" val="1"/>
             </a:ext>
           </a:extLst>
         </p:spPr>
@@ -9812,7 +9831,7 @@
           </a:ln>
           <a:extLst>
             <a:ext uri="{C572A759-6A51-4108-AA02-DFA0A04FC94B}">
-              <ma14:wrappingTextBoxFlag xmlns:ma14="http://schemas.microsoft.com/office/mac/drawingml/2011/main" xmlns:a14="http://schemas.microsoft.com/office/drawing/2010/main" xmlns:m="http://schemas.openxmlformats.org/officeDocument/2006/math" xmlns="" val="1"/>
+              <ma14:wrappingTextBoxFlag xmlns="" xmlns:m="http://schemas.openxmlformats.org/officeDocument/2006/math" xmlns:a14="http://schemas.microsoft.com/office/drawing/2010/main" xmlns:ma14="http://schemas.microsoft.com/office/mac/drawingml/2011/main" val="1"/>
             </a:ext>
           </a:extLst>
         </p:spPr>
@@ -10507,7 +10526,7 @@
             <a:effectLst/>
             <a:extLst>
               <a:ext uri="{C572A759-6A51-4108-AA02-DFA0A04FC94B}">
-                <ma14:wrappingTextBoxFlag xmlns:ma14="http://schemas.microsoft.com/office/mac/drawingml/2011/main" xmlns:a14="http://schemas.microsoft.com/office/drawing/2010/main" xmlns:m="http://schemas.openxmlformats.org/officeDocument/2006/math" xmlns="" val="1"/>
+                <ma14:wrappingTextBoxFlag xmlns="" xmlns:m="http://schemas.openxmlformats.org/officeDocument/2006/math" xmlns:a14="http://schemas.microsoft.com/office/drawing/2010/main" xmlns:ma14="http://schemas.microsoft.com/office/mac/drawingml/2011/main" val="1"/>
               </a:ext>
             </a:extLst>
           </p:spPr>
@@ -10647,7 +10666,7 @@
             <a:effectLst/>
             <a:extLst>
               <a:ext uri="{C572A759-6A51-4108-AA02-DFA0A04FC94B}">
-                <ma14:wrappingTextBoxFlag xmlns:ma14="http://schemas.microsoft.com/office/mac/drawingml/2011/main" xmlns:a14="http://schemas.microsoft.com/office/drawing/2010/main" xmlns:m="http://schemas.openxmlformats.org/officeDocument/2006/math" xmlns="" val="1"/>
+                <ma14:wrappingTextBoxFlag xmlns="" xmlns:m="http://schemas.openxmlformats.org/officeDocument/2006/math" xmlns:a14="http://schemas.microsoft.com/office/drawing/2010/main" xmlns:ma14="http://schemas.microsoft.com/office/mac/drawingml/2011/main" val="1"/>
               </a:ext>
             </a:extLst>
           </p:spPr>
@@ -10928,7 +10947,7 @@
           </a:ln>
           <a:extLst>
             <a:ext uri="{C572A759-6A51-4108-AA02-DFA0A04FC94B}">
-              <ma14:wrappingTextBoxFlag xmlns:ma14="http://schemas.microsoft.com/office/mac/drawingml/2011/main" xmlns:a14="http://schemas.microsoft.com/office/drawing/2010/main" xmlns:m="http://schemas.openxmlformats.org/officeDocument/2006/math" xmlns="" val="1"/>
+              <ma14:wrappingTextBoxFlag xmlns="" xmlns:m="http://schemas.openxmlformats.org/officeDocument/2006/math" xmlns:a14="http://schemas.microsoft.com/office/drawing/2010/main" xmlns:ma14="http://schemas.microsoft.com/office/mac/drawingml/2011/main" val="1"/>
             </a:ext>
           </a:extLst>
         </p:spPr>
@@ -11021,7 +11040,7 @@
           </a:ln>
           <a:extLst>
             <a:ext uri="{C572A759-6A51-4108-AA02-DFA0A04FC94B}">
-              <ma14:wrappingTextBoxFlag xmlns:ma14="http://schemas.microsoft.com/office/mac/drawingml/2011/main" xmlns:a14="http://schemas.microsoft.com/office/drawing/2010/main" xmlns:m="http://schemas.openxmlformats.org/officeDocument/2006/math" xmlns="" val="1"/>
+              <ma14:wrappingTextBoxFlag xmlns="" xmlns:m="http://schemas.openxmlformats.org/officeDocument/2006/math" xmlns:a14="http://schemas.microsoft.com/office/drawing/2010/main" xmlns:ma14="http://schemas.microsoft.com/office/mac/drawingml/2011/main" val="1"/>
             </a:ext>
           </a:extLst>
         </p:spPr>
@@ -11098,7 +11117,7 @@
           </a:ln>
           <a:extLst>
             <a:ext uri="{C572A759-6A51-4108-AA02-DFA0A04FC94B}">
-              <ma14:wrappingTextBoxFlag xmlns:ma14="http://schemas.microsoft.com/office/mac/drawingml/2011/main" xmlns:a14="http://schemas.microsoft.com/office/drawing/2010/main" xmlns:m="http://schemas.openxmlformats.org/officeDocument/2006/math" xmlns="" val="1"/>
+              <ma14:wrappingTextBoxFlag xmlns="" xmlns:m="http://schemas.openxmlformats.org/officeDocument/2006/math" xmlns:a14="http://schemas.microsoft.com/office/drawing/2010/main" xmlns:ma14="http://schemas.microsoft.com/office/mac/drawingml/2011/main" val="1"/>
             </a:ext>
           </a:extLst>
         </p:spPr>
@@ -11218,7 +11237,7 @@
           </a:ln>
           <a:extLst>
             <a:ext uri="{C572A759-6A51-4108-AA02-DFA0A04FC94B}">
-              <ma14:wrappingTextBoxFlag xmlns:ma14="http://schemas.microsoft.com/office/mac/drawingml/2011/main" xmlns:a14="http://schemas.microsoft.com/office/drawing/2010/main" xmlns:m="http://schemas.openxmlformats.org/officeDocument/2006/math" xmlns="" val="1"/>
+              <ma14:wrappingTextBoxFlag xmlns="" xmlns:m="http://schemas.openxmlformats.org/officeDocument/2006/math" xmlns:a14="http://schemas.microsoft.com/office/drawing/2010/main" xmlns:ma14="http://schemas.microsoft.com/office/mac/drawingml/2011/main" val="1"/>
             </a:ext>
           </a:extLst>
         </p:spPr>
@@ -12195,7 +12214,7 @@
           </a:ln>
           <a:extLst>
             <a:ext uri="{C572A759-6A51-4108-AA02-DFA0A04FC94B}">
-              <ma14:wrappingTextBoxFlag xmlns:ma14="http://schemas.microsoft.com/office/mac/drawingml/2011/main" xmlns:a14="http://schemas.microsoft.com/office/drawing/2010/main" xmlns:m="http://schemas.openxmlformats.org/officeDocument/2006/math" xmlns="" val="1"/>
+              <ma14:wrappingTextBoxFlag xmlns="" xmlns:m="http://schemas.openxmlformats.org/officeDocument/2006/math" xmlns:a14="http://schemas.microsoft.com/office/drawing/2010/main" xmlns:ma14="http://schemas.microsoft.com/office/mac/drawingml/2011/main" val="1"/>
             </a:ext>
           </a:extLst>
         </p:spPr>
@@ -12261,7 +12280,7 @@
             <a:effectLst/>
             <a:extLst>
               <a:ext uri="{C572A759-6A51-4108-AA02-DFA0A04FC94B}">
-                <ma14:wrappingTextBoxFlag xmlns:ma14="http://schemas.microsoft.com/office/mac/drawingml/2011/main" xmlns:a14="http://schemas.microsoft.com/office/drawing/2010/main" xmlns:m="http://schemas.openxmlformats.org/officeDocument/2006/math" xmlns="" val="1"/>
+                <ma14:wrappingTextBoxFlag xmlns="" xmlns:m="http://schemas.openxmlformats.org/officeDocument/2006/math" xmlns:a14="http://schemas.microsoft.com/office/drawing/2010/main" xmlns:ma14="http://schemas.microsoft.com/office/mac/drawingml/2011/main" val="1"/>
               </a:ext>
             </a:extLst>
           </p:spPr>
@@ -12434,7 +12453,7 @@
             <a:effectLst/>
             <a:extLst>
               <a:ext uri="{C572A759-6A51-4108-AA02-DFA0A04FC94B}">
-                <ma14:wrappingTextBoxFlag xmlns:ma14="http://schemas.microsoft.com/office/mac/drawingml/2011/main" xmlns:a14="http://schemas.microsoft.com/office/drawing/2010/main" xmlns:m="http://schemas.openxmlformats.org/officeDocument/2006/math" xmlns="" val="1"/>
+                <ma14:wrappingTextBoxFlag xmlns="" xmlns:m="http://schemas.openxmlformats.org/officeDocument/2006/math" xmlns:a14="http://schemas.microsoft.com/office/drawing/2010/main" xmlns:ma14="http://schemas.microsoft.com/office/mac/drawingml/2011/main" val="1"/>
               </a:ext>
             </a:extLst>
           </p:spPr>
@@ -12726,7 +12745,7 @@
           </a:ln>
           <a:extLst>
             <a:ext uri="{C572A759-6A51-4108-AA02-DFA0A04FC94B}">
-              <ma14:wrappingTextBoxFlag xmlns:ma14="http://schemas.microsoft.com/office/mac/drawingml/2011/main" xmlns:a14="http://schemas.microsoft.com/office/drawing/2010/main" xmlns:m="http://schemas.openxmlformats.org/officeDocument/2006/math" xmlns="" val="1"/>
+              <ma14:wrappingTextBoxFlag xmlns="" xmlns:m="http://schemas.openxmlformats.org/officeDocument/2006/math" xmlns:a14="http://schemas.microsoft.com/office/drawing/2010/main" xmlns:ma14="http://schemas.microsoft.com/office/mac/drawingml/2011/main" val="1"/>
             </a:ext>
           </a:extLst>
         </p:spPr>
@@ -12819,7 +12838,7 @@
           </a:ln>
           <a:extLst>
             <a:ext uri="{C572A759-6A51-4108-AA02-DFA0A04FC94B}">
-              <ma14:wrappingTextBoxFlag xmlns:ma14="http://schemas.microsoft.com/office/mac/drawingml/2011/main" xmlns:a14="http://schemas.microsoft.com/office/drawing/2010/main" xmlns:m="http://schemas.openxmlformats.org/officeDocument/2006/math" xmlns="" val="1"/>
+              <ma14:wrappingTextBoxFlag xmlns="" xmlns:m="http://schemas.openxmlformats.org/officeDocument/2006/math" xmlns:a14="http://schemas.microsoft.com/office/drawing/2010/main" xmlns:ma14="http://schemas.microsoft.com/office/mac/drawingml/2011/main" val="1"/>
             </a:ext>
           </a:extLst>
         </p:spPr>
@@ -12923,7 +12942,7 @@
           </a:ln>
           <a:extLst>
             <a:ext uri="{C572A759-6A51-4108-AA02-DFA0A04FC94B}">
-              <ma14:wrappingTextBoxFlag xmlns:ma14="http://schemas.microsoft.com/office/mac/drawingml/2011/main" xmlns:a14="http://schemas.microsoft.com/office/drawing/2010/main" xmlns:m="http://schemas.openxmlformats.org/officeDocument/2006/math" xmlns="" val="1"/>
+              <ma14:wrappingTextBoxFlag xmlns="" xmlns:m="http://schemas.openxmlformats.org/officeDocument/2006/math" xmlns:a14="http://schemas.microsoft.com/office/drawing/2010/main" xmlns:ma14="http://schemas.microsoft.com/office/mac/drawingml/2011/main" val="1"/>
             </a:ext>
           </a:extLst>
         </p:spPr>
@@ -13216,7 +13235,7 @@
           </a:ln>
           <a:extLst>
             <a:ext uri="{C572A759-6A51-4108-AA02-DFA0A04FC94B}">
-              <ma14:wrappingTextBoxFlag xmlns:ma14="http://schemas.microsoft.com/office/mac/drawingml/2011/main" xmlns:a14="http://schemas.microsoft.com/office/drawing/2010/main" xmlns:m="http://schemas.openxmlformats.org/officeDocument/2006/math" xmlns="" val="1"/>
+              <ma14:wrappingTextBoxFlag xmlns="" xmlns:m="http://schemas.openxmlformats.org/officeDocument/2006/math" xmlns:a14="http://schemas.microsoft.com/office/drawing/2010/main" xmlns:ma14="http://schemas.microsoft.com/office/mac/drawingml/2011/main" val="1"/>
             </a:ext>
           </a:extLst>
         </p:spPr>
@@ -13309,7 +13328,7 @@
           </a:ln>
           <a:extLst>
             <a:ext uri="{C572A759-6A51-4108-AA02-DFA0A04FC94B}">
-              <ma14:wrappingTextBoxFlag xmlns:ma14="http://schemas.microsoft.com/office/mac/drawingml/2011/main" xmlns:a14="http://schemas.microsoft.com/office/drawing/2010/main" xmlns:m="http://schemas.openxmlformats.org/officeDocument/2006/math" xmlns="" val="1"/>
+              <ma14:wrappingTextBoxFlag xmlns="" xmlns:m="http://schemas.openxmlformats.org/officeDocument/2006/math" xmlns:a14="http://schemas.microsoft.com/office/drawing/2010/main" xmlns:ma14="http://schemas.microsoft.com/office/mac/drawingml/2011/main" val="1"/>
             </a:ext>
           </a:extLst>
         </p:spPr>
@@ -13386,7 +13405,7 @@
           </a:ln>
           <a:extLst>
             <a:ext uri="{C572A759-6A51-4108-AA02-DFA0A04FC94B}">
-              <ma14:wrappingTextBoxFlag xmlns:ma14="http://schemas.microsoft.com/office/mac/drawingml/2011/main" xmlns:a14="http://schemas.microsoft.com/office/drawing/2010/main" xmlns:m="http://schemas.openxmlformats.org/officeDocument/2006/math" xmlns="" val="1"/>
+              <ma14:wrappingTextBoxFlag xmlns="" xmlns:m="http://schemas.openxmlformats.org/officeDocument/2006/math" xmlns:a14="http://schemas.microsoft.com/office/drawing/2010/main" xmlns:ma14="http://schemas.microsoft.com/office/mac/drawingml/2011/main" val="1"/>
             </a:ext>
           </a:extLst>
         </p:spPr>
@@ -13460,7 +13479,7 @@
           </a:ln>
           <a:extLst>
             <a:ext uri="{C572A759-6A51-4108-AA02-DFA0A04FC94B}">
-              <ma14:wrappingTextBoxFlag xmlns:ma14="http://schemas.microsoft.com/office/mac/drawingml/2011/main" xmlns:a14="http://schemas.microsoft.com/office/drawing/2010/main" xmlns:m="http://schemas.openxmlformats.org/officeDocument/2006/math" xmlns="" val="1"/>
+              <ma14:wrappingTextBoxFlag xmlns="" xmlns:m="http://schemas.openxmlformats.org/officeDocument/2006/math" xmlns:a14="http://schemas.microsoft.com/office/drawing/2010/main" xmlns:ma14="http://schemas.microsoft.com/office/mac/drawingml/2011/main" val="1"/>
             </a:ext>
           </a:extLst>
         </p:spPr>
@@ -13504,7 +13523,7 @@
           </a:ln>
           <a:extLst>
             <a:ext uri="{C572A759-6A51-4108-AA02-DFA0A04FC94B}">
-              <ma14:wrappingTextBoxFlag xmlns:ma14="http://schemas.microsoft.com/office/mac/drawingml/2011/main" xmlns:a14="http://schemas.microsoft.com/office/drawing/2010/main" xmlns:m="http://schemas.openxmlformats.org/officeDocument/2006/math" xmlns="" val="1"/>
+              <ma14:wrappingTextBoxFlag xmlns="" xmlns:m="http://schemas.openxmlformats.org/officeDocument/2006/math" xmlns:a14="http://schemas.microsoft.com/office/drawing/2010/main" xmlns:ma14="http://schemas.microsoft.com/office/mac/drawingml/2011/main" val="1"/>
             </a:ext>
           </a:extLst>
         </p:spPr>
@@ -13601,7 +13620,7 @@
           </a:ln>
           <a:extLst>
             <a:ext uri="{C572A759-6A51-4108-AA02-DFA0A04FC94B}">
-              <ma14:wrappingTextBoxFlag xmlns:ma14="http://schemas.microsoft.com/office/mac/drawingml/2011/main" xmlns:a14="http://schemas.microsoft.com/office/drawing/2010/main" xmlns:m="http://schemas.openxmlformats.org/officeDocument/2006/math" xmlns="" val="1"/>
+              <ma14:wrappingTextBoxFlag xmlns="" xmlns:m="http://schemas.openxmlformats.org/officeDocument/2006/math" xmlns:a14="http://schemas.microsoft.com/office/drawing/2010/main" xmlns:ma14="http://schemas.microsoft.com/office/mac/drawingml/2011/main" val="1"/>
             </a:ext>
           </a:extLst>
         </p:spPr>
@@ -13678,7 +13697,7 @@
           </a:ln>
           <a:extLst>
             <a:ext uri="{C572A759-6A51-4108-AA02-DFA0A04FC94B}">
-              <ma14:wrappingTextBoxFlag xmlns:ma14="http://schemas.microsoft.com/office/mac/drawingml/2011/main" xmlns:a14="http://schemas.microsoft.com/office/drawing/2010/main" xmlns:m="http://schemas.openxmlformats.org/officeDocument/2006/math" xmlns="" val="1"/>
+              <ma14:wrappingTextBoxFlag xmlns="" xmlns:m="http://schemas.openxmlformats.org/officeDocument/2006/math" xmlns:a14="http://schemas.microsoft.com/office/drawing/2010/main" xmlns:ma14="http://schemas.microsoft.com/office/mac/drawingml/2011/main" val="1"/>
             </a:ext>
           </a:extLst>
         </p:spPr>
@@ -13778,7 +13797,7 @@
           </a:ln>
           <a:extLst>
             <a:ext uri="{C572A759-6A51-4108-AA02-DFA0A04FC94B}">
-              <ma14:wrappingTextBoxFlag xmlns:ma14="http://schemas.microsoft.com/office/mac/drawingml/2011/main" xmlns:a14="http://schemas.microsoft.com/office/drawing/2010/main" xmlns:m="http://schemas.openxmlformats.org/officeDocument/2006/math" xmlns="" val="1"/>
+              <ma14:wrappingTextBoxFlag xmlns="" xmlns:m="http://schemas.openxmlformats.org/officeDocument/2006/math" xmlns:a14="http://schemas.microsoft.com/office/drawing/2010/main" xmlns:ma14="http://schemas.microsoft.com/office/mac/drawingml/2011/main" val="1"/>
             </a:ext>
           </a:extLst>
         </p:spPr>
@@ -13855,7 +13874,7 @@
           </a:ln>
           <a:extLst>
             <a:ext uri="{C572A759-6A51-4108-AA02-DFA0A04FC94B}">
-              <ma14:wrappingTextBoxFlag xmlns:ma14="http://schemas.microsoft.com/office/mac/drawingml/2011/main" xmlns:a14="http://schemas.microsoft.com/office/drawing/2010/main" xmlns:m="http://schemas.openxmlformats.org/officeDocument/2006/math" xmlns="" val="1"/>
+              <ma14:wrappingTextBoxFlag xmlns="" xmlns:m="http://schemas.openxmlformats.org/officeDocument/2006/math" xmlns:a14="http://schemas.microsoft.com/office/drawing/2010/main" xmlns:ma14="http://schemas.microsoft.com/office/mac/drawingml/2011/main" val="1"/>
             </a:ext>
           </a:extLst>
         </p:spPr>
@@ -14322,7 +14341,7 @@
           </a:ln>
           <a:extLst>
             <a:ext uri="{C572A759-6A51-4108-AA02-DFA0A04FC94B}">
-              <ma14:wrappingTextBoxFlag xmlns:ma14="http://schemas.microsoft.com/office/mac/drawingml/2011/main" xmlns:a14="http://schemas.microsoft.com/office/drawing/2010/main" xmlns:m="http://schemas.openxmlformats.org/officeDocument/2006/math" xmlns="" val="1"/>
+              <ma14:wrappingTextBoxFlag xmlns="" xmlns:m="http://schemas.openxmlformats.org/officeDocument/2006/math" xmlns:a14="http://schemas.microsoft.com/office/drawing/2010/main" xmlns:ma14="http://schemas.microsoft.com/office/mac/drawingml/2011/main" val="1"/>
             </a:ext>
           </a:extLst>
         </p:spPr>
@@ -14876,7 +14895,7 @@
           </a:ln>
           <a:extLst>
             <a:ext uri="{C572A759-6A51-4108-AA02-DFA0A04FC94B}">
-              <ma14:wrappingTextBoxFlag xmlns:ma14="http://schemas.microsoft.com/office/mac/drawingml/2011/main" xmlns:a14="http://schemas.microsoft.com/office/drawing/2010/main" xmlns:m="http://schemas.openxmlformats.org/officeDocument/2006/math" xmlns="" val="1"/>
+              <ma14:wrappingTextBoxFlag xmlns="" xmlns:m="http://schemas.openxmlformats.org/officeDocument/2006/math" xmlns:a14="http://schemas.microsoft.com/office/drawing/2010/main" xmlns:ma14="http://schemas.microsoft.com/office/mac/drawingml/2011/main" val="1"/>
             </a:ext>
           </a:extLst>
         </p:spPr>
@@ -15448,7 +15467,7 @@
             <a:effectLst/>
             <a:extLst>
               <a:ext uri="{C572A759-6A51-4108-AA02-DFA0A04FC94B}">
-                <ma14:wrappingTextBoxFlag xmlns:ma14="http://schemas.microsoft.com/office/mac/drawingml/2011/main" xmlns:a14="http://schemas.microsoft.com/office/drawing/2010/main" xmlns:m="http://schemas.openxmlformats.org/officeDocument/2006/math" xmlns="" val="1"/>
+                <ma14:wrappingTextBoxFlag xmlns="" xmlns:m="http://schemas.openxmlformats.org/officeDocument/2006/math" xmlns:a14="http://schemas.microsoft.com/office/drawing/2010/main" xmlns:ma14="http://schemas.microsoft.com/office/mac/drawingml/2011/main" val="1"/>
               </a:ext>
             </a:extLst>
           </p:spPr>
@@ -15587,7 +15606,7 @@
             <a:effectLst/>
             <a:extLst>
               <a:ext uri="{C572A759-6A51-4108-AA02-DFA0A04FC94B}">
-                <ma14:wrappingTextBoxFlag xmlns:ma14="http://schemas.microsoft.com/office/mac/drawingml/2011/main" xmlns:a14="http://schemas.microsoft.com/office/drawing/2010/main" xmlns:m="http://schemas.openxmlformats.org/officeDocument/2006/math" xmlns="" val="1"/>
+                <ma14:wrappingTextBoxFlag xmlns="" xmlns:m="http://schemas.openxmlformats.org/officeDocument/2006/math" xmlns:a14="http://schemas.microsoft.com/office/drawing/2010/main" xmlns:ma14="http://schemas.microsoft.com/office/mac/drawingml/2011/main" val="1"/>
               </a:ext>
             </a:extLst>
           </p:spPr>
@@ -15726,7 +15745,7 @@
             <a:effectLst/>
             <a:extLst>
               <a:ext uri="{C572A759-6A51-4108-AA02-DFA0A04FC94B}">
-                <ma14:wrappingTextBoxFlag xmlns:ma14="http://schemas.microsoft.com/office/mac/drawingml/2011/main" xmlns:a14="http://schemas.microsoft.com/office/drawing/2010/main" xmlns:m="http://schemas.openxmlformats.org/officeDocument/2006/math" xmlns="" val="1"/>
+                <ma14:wrappingTextBoxFlag xmlns="" xmlns:m="http://schemas.openxmlformats.org/officeDocument/2006/math" xmlns:a14="http://schemas.microsoft.com/office/drawing/2010/main" xmlns:ma14="http://schemas.microsoft.com/office/mac/drawingml/2011/main" val="1"/>
               </a:ext>
             </a:extLst>
           </p:spPr>
@@ -16061,7 +16080,7 @@
           </a:ln>
           <a:extLst>
             <a:ext uri="{C572A759-6A51-4108-AA02-DFA0A04FC94B}">
-              <ma14:wrappingTextBoxFlag xmlns:ma14="http://schemas.microsoft.com/office/mac/drawingml/2011/main" xmlns:a14="http://schemas.microsoft.com/office/drawing/2010/main" xmlns:m="http://schemas.openxmlformats.org/officeDocument/2006/math" xmlns="" val="1"/>
+              <ma14:wrappingTextBoxFlag xmlns="" xmlns:m="http://schemas.openxmlformats.org/officeDocument/2006/math" xmlns:a14="http://schemas.microsoft.com/office/drawing/2010/main" xmlns:ma14="http://schemas.microsoft.com/office/mac/drawingml/2011/main" val="1"/>
             </a:ext>
           </a:extLst>
         </p:spPr>
@@ -16154,7 +16173,7 @@
           </a:ln>
           <a:extLst>
             <a:ext uri="{C572A759-6A51-4108-AA02-DFA0A04FC94B}">
-              <ma14:wrappingTextBoxFlag xmlns:ma14="http://schemas.microsoft.com/office/mac/drawingml/2011/main" xmlns:a14="http://schemas.microsoft.com/office/drawing/2010/main" xmlns:m="http://schemas.openxmlformats.org/officeDocument/2006/math" xmlns="" val="1"/>
+              <ma14:wrappingTextBoxFlag xmlns="" xmlns:m="http://schemas.openxmlformats.org/officeDocument/2006/math" xmlns:a14="http://schemas.microsoft.com/office/drawing/2010/main" xmlns:ma14="http://schemas.microsoft.com/office/mac/drawingml/2011/main" val="1"/>
             </a:ext>
           </a:extLst>
         </p:spPr>
@@ -16231,7 +16250,7 @@
           </a:ln>
           <a:extLst>
             <a:ext uri="{C572A759-6A51-4108-AA02-DFA0A04FC94B}">
-              <ma14:wrappingTextBoxFlag xmlns:ma14="http://schemas.microsoft.com/office/mac/drawingml/2011/main" xmlns:a14="http://schemas.microsoft.com/office/drawing/2010/main" xmlns:m="http://schemas.openxmlformats.org/officeDocument/2006/math" xmlns="" val="1"/>
+              <ma14:wrappingTextBoxFlag xmlns="" xmlns:m="http://schemas.openxmlformats.org/officeDocument/2006/math" xmlns:a14="http://schemas.microsoft.com/office/drawing/2010/main" xmlns:ma14="http://schemas.microsoft.com/office/mac/drawingml/2011/main" val="1"/>
             </a:ext>
           </a:extLst>
         </p:spPr>
@@ -16391,7 +16410,7 @@
           </a:ln>
           <a:extLst>
             <a:ext uri="{C572A759-6A51-4108-AA02-DFA0A04FC94B}">
-              <ma14:wrappingTextBoxFlag xmlns:ma14="http://schemas.microsoft.com/office/mac/drawingml/2011/main" xmlns:a14="http://schemas.microsoft.com/office/drawing/2010/main" xmlns:m="http://schemas.openxmlformats.org/officeDocument/2006/math" xmlns="" val="1"/>
+              <ma14:wrappingTextBoxFlag xmlns="" xmlns:m="http://schemas.openxmlformats.org/officeDocument/2006/math" xmlns:a14="http://schemas.microsoft.com/office/drawing/2010/main" xmlns:ma14="http://schemas.microsoft.com/office/mac/drawingml/2011/main" val="1"/>
             </a:ext>
           </a:extLst>
         </p:spPr>
@@ -16484,7 +16503,7 @@
           </a:ln>
           <a:extLst>
             <a:ext uri="{C572A759-6A51-4108-AA02-DFA0A04FC94B}">
-              <ma14:wrappingTextBoxFlag xmlns:ma14="http://schemas.microsoft.com/office/mac/drawingml/2011/main" xmlns:a14="http://schemas.microsoft.com/office/drawing/2010/main" xmlns:m="http://schemas.openxmlformats.org/officeDocument/2006/math" xmlns="" val="1"/>
+              <ma14:wrappingTextBoxFlag xmlns="" xmlns:m="http://schemas.openxmlformats.org/officeDocument/2006/math" xmlns:a14="http://schemas.microsoft.com/office/drawing/2010/main" xmlns:ma14="http://schemas.microsoft.com/office/mac/drawingml/2011/main" val="1"/>
             </a:ext>
           </a:extLst>
         </p:spPr>
@@ -16561,7 +16580,7 @@
           </a:ln>
           <a:extLst>
             <a:ext uri="{C572A759-6A51-4108-AA02-DFA0A04FC94B}">
-              <ma14:wrappingTextBoxFlag xmlns:ma14="http://schemas.microsoft.com/office/mac/drawingml/2011/main" xmlns:a14="http://schemas.microsoft.com/office/drawing/2010/main" xmlns:m="http://schemas.openxmlformats.org/officeDocument/2006/math" xmlns="" val="1"/>
+              <ma14:wrappingTextBoxFlag xmlns="" xmlns:m="http://schemas.openxmlformats.org/officeDocument/2006/math" xmlns:a14="http://schemas.microsoft.com/office/drawing/2010/main" xmlns:ma14="http://schemas.microsoft.com/office/mac/drawingml/2011/main" val="1"/>
             </a:ext>
           </a:extLst>
         </p:spPr>
